--- a/inflearn04/doc/3.(심화)높은응집도를위한패키지네이밍규칙.pptx
+++ b/inflearn04/doc/3.(심화)높은응집도를위한패키지네이밍규칙.pptx
@@ -644,7 +644,7 @@
                 <a:latin typeface="맑은 고딕" panose="020B0503020000020004" pitchFamily="50" charset="-127"/>
                 <a:ea typeface="맑은 고딕" panose="020B0503020000020004" pitchFamily="50" charset="-127"/>
               </a:rPr>
-              <a:t>2021년 6월 23일</a:t>
+              <a:t>2021년 7월 13일</a:t>
             </a:fld>
             <a:endParaRPr lang="ko-KR" altLang="en-US">
               <a:latin typeface="맑은 고딕" panose="020B0503020000020004" pitchFamily="50" charset="-127"/>
@@ -830,7 +830,7 @@
             <a:fld id="{BE16EC8A-0758-4FA9-BF4D-3119057076D1}" type="datetime4">
               <a:rPr lang="ko-KR" altLang="en-US" smtClean="0"/>
               <a:pPr/>
-              <a:t>2021년 6월 23일</a:t>
+              <a:t>2021년 7월 13일</a:t>
             </a:fld>
             <a:endParaRPr lang="ko-KR" altLang="en-US"/>
           </a:p>
@@ -3312,7 +3312,7 @@
           <a:p>
             <a:fld id="{2A5B65E4-62A8-4988-B07B-5D6D443B14ED}" type="datetime4">
               <a:rPr lang="ko-KR" altLang="en-US" smtClean="0"/>
-              <a:t>2021년 6월 23일</a:t>
+              <a:t>2021년 7월 13일</a:t>
             </a:fld>
             <a:endParaRPr lang="ko-KR" altLang="en-US"/>
           </a:p>
@@ -3568,7 +3568,7 @@
           <a:p>
             <a:fld id="{58EB6286-0DE7-4336-9826-977AD102FCF2}" type="datetime4">
               <a:rPr lang="ko-KR" altLang="en-US" noProof="0" smtClean="0"/>
-              <a:t>2021년 6월 23일</a:t>
+              <a:t>2021년 7월 13일</a:t>
             </a:fld>
             <a:endParaRPr lang="ko-KR" altLang="en-US" noProof="0"/>
           </a:p>
@@ -3764,7 +3764,7 @@
             <a:pPr rtl="0"/>
             <a:fld id="{6A5419DA-7218-42E5-A443-F000500111E1}" type="datetime4">
               <a:rPr lang="ko-KR" altLang="en-US" noProof="0" smtClean="0"/>
-              <a:t>2021년 6월 23일</a:t>
+              <a:t>2021년 7월 13일</a:t>
             </a:fld>
             <a:endParaRPr lang="ko-KR" altLang="en-US" noProof="0"/>
           </a:p>
@@ -6165,7 +6165,7 @@
           <a:p>
             <a:fld id="{E498C52F-1DF1-4226-BAB6-C1E2EE4C9D62}" type="datetime4">
               <a:rPr lang="ko-KR" altLang="en-US" noProof="0" smtClean="0"/>
-              <a:t>2021년 6월 23일</a:t>
+              <a:t>2021년 7월 13일</a:t>
             </a:fld>
             <a:endParaRPr lang="ko-KR" altLang="en-US" noProof="0"/>
           </a:p>
@@ -6684,7 +6684,7 @@
           <a:p>
             <a:fld id="{7B1E1FFC-F755-4558-8D3C-A157D1A01A8A}" type="datetime4">
               <a:rPr lang="ko-KR" altLang="en-US" noProof="0" smtClean="0"/>
-              <a:t>2021년 6월 23일</a:t>
+              <a:t>2021년 7월 13일</a:t>
             </a:fld>
             <a:endParaRPr lang="ko-KR" altLang="en-US" noProof="0"/>
           </a:p>
@@ -6828,7 +6828,7 @@
             <a:pPr rtl="0"/>
             <a:fld id="{DA2A33C0-A4A8-4C90-B6DA-35B8CF58C816}" type="datetime4">
               <a:rPr lang="ko-KR" altLang="en-US" noProof="0" smtClean="0"/>
-              <a:t>2021년 6월 23일</a:t>
+              <a:t>2021년 7월 13일</a:t>
             </a:fld>
             <a:endParaRPr lang="ko-KR" altLang="en-US" noProof="0"/>
           </a:p>
@@ -8776,7 +8776,7 @@
           <a:p>
             <a:fld id="{53CB1B8F-A14A-4BE4-A9B9-3B263F04145C}" type="datetime4">
               <a:rPr lang="ko-KR" altLang="en-US" noProof="0" smtClean="0"/>
-              <a:t>2021년 6월 23일</a:t>
+              <a:t>2021년 7월 13일</a:t>
             </a:fld>
             <a:endParaRPr lang="ko-KR" altLang="en-US" noProof="0"/>
           </a:p>
@@ -11073,7 +11073,7 @@
           <a:p>
             <a:fld id="{5B9196A3-957C-4113-A568-B6ED9AEA3D01}" type="datetime4">
               <a:rPr lang="ko-KR" altLang="en-US" noProof="0" smtClean="0"/>
-              <a:t>2021년 6월 23일</a:t>
+              <a:t>2021년 7월 13일</a:t>
             </a:fld>
             <a:endParaRPr lang="ko-KR" altLang="en-US" noProof="0"/>
           </a:p>
@@ -15390,7 +15390,7 @@
           <a:p>
             <a:fld id="{28BEB146-D335-4DA5-9826-58595BCDBE2E}" type="datetime4">
               <a:rPr lang="ko-KR" altLang="en-US" noProof="0" smtClean="0"/>
-              <a:t>2021년 6월 23일</a:t>
+              <a:t>2021년 7월 13일</a:t>
             </a:fld>
             <a:endParaRPr lang="ko-KR" altLang="en-US" noProof="0"/>
           </a:p>
@@ -16093,7 +16093,7 @@
         <p:spPr/>
         <p:txBody>
           <a:bodyPr>
-            <a:normAutofit lnSpcReduction="10000"/>
+            <a:normAutofit fontScale="92500" lnSpcReduction="20000"/>
           </a:bodyPr>
           <a:lstStyle/>
           <a:p>
@@ -16107,22 +16107,49 @@
             <a:pPr lvl="1"/>
             <a:r>
               <a:rPr lang="ko-KR" altLang="en-US"/>
-              <a:t>모듈을 찾을 수 있는 디렉토리 정보</a:t>
+              <a:t>클래스를 구분할 수 있는 디렉토리 정보</a:t>
             </a:r>
             <a:endParaRPr lang="en-US" altLang="ko-KR"/>
           </a:p>
           <a:p>
+            <a:pPr lvl="2"/>
+            <a:r>
+              <a:rPr lang="en-US" altLang="ko-KR"/>
+              <a:t>com.a.Util.class</a:t>
+            </a:r>
+          </a:p>
+          <a:p>
+            <a:pPr lvl="2"/>
+            <a:r>
+              <a:rPr lang="en-US" altLang="ko-KR"/>
+              <a:t>com.a.b.Util.class</a:t>
+            </a:r>
+          </a:p>
+          <a:p>
             <a:pPr lvl="1"/>
             <a:r>
               <a:rPr lang="en-US" altLang="ko-KR"/>
-              <a:t>com.code5.fw.data.Box</a:t>
-            </a:r>
-          </a:p>
-          <a:p>
-            <a:pPr lvl="1"/>
+              <a:t>JVM </a:t>
+            </a:r>
+            <a:r>
+              <a:rPr lang="ko-KR" altLang="en-US"/>
+              <a:t>실행시 넘겨받은 </a:t>
+            </a:r>
             <a:r>
               <a:rPr lang="en-US" altLang="ko-KR"/>
-              <a:t>CLASS_PATH + /com/code5/fw/data/Box.class</a:t>
+              <a:t>classpath </a:t>
+            </a:r>
+            <a:r>
+              <a:rPr lang="ko-KR" altLang="en-US"/>
+              <a:t>를 가지고 클래스를 찾음</a:t>
+            </a:r>
+            <a:endParaRPr lang="en-US" altLang="ko-KR"/>
+          </a:p>
+          <a:p>
+            <a:pPr lvl="2"/>
+            <a:r>
+              <a:rPr lang="en-US" altLang="ko-KR"/>
+              <a:t>{classpath} + /com/a/Util.class</a:t>
             </a:r>
           </a:p>
           <a:p>
@@ -16140,11 +16167,11 @@
             </a:r>
             <a:r>
               <a:rPr lang="en-US" altLang="ko-KR"/>
-              <a:t>)</a:t>
+              <a:t>) </a:t>
             </a:r>
             <a:r>
               <a:rPr lang="ko-KR" altLang="en-US"/>
-              <a:t> 규칙</a:t>
+              <a:t>규칙</a:t>
             </a:r>
             <a:endParaRPr lang="en-US" altLang="ko-KR"/>
           </a:p>
@@ -16152,7 +16179,7 @@
             <a:pPr lvl="1"/>
             <a:r>
               <a:rPr lang="ko-KR" altLang="en-US"/>
-              <a:t>코드를 위한 규칙</a:t>
+              <a:t>코드를 표현하기 위한 규칙</a:t>
             </a:r>
             <a:endParaRPr lang="en-US" altLang="ko-KR"/>
           </a:p>
@@ -16176,7 +16203,7 @@
             <a:pPr lvl="1"/>
             <a:r>
               <a:rPr lang="ko-KR" altLang="en-US"/>
-              <a:t>서비스를 구분하기 위한 규칙</a:t>
+              <a:t>서비스를 이해하기 규칙</a:t>
             </a:r>
             <a:endParaRPr lang="en-US" altLang="ko-KR"/>
           </a:p>
@@ -16287,7 +16314,7 @@
         <p:spPr/>
         <p:txBody>
           <a:bodyPr>
-            <a:normAutofit lnSpcReduction="10000"/>
+            <a:normAutofit/>
           </a:bodyPr>
           <a:lstStyle/>
           <a:p>
@@ -16317,57 +16344,20 @@
             <a:pPr lvl="2"/>
             <a:r>
               <a:rPr lang="ko-KR" altLang="en-US"/>
-              <a:t>콘트롤러</a:t>
+              <a:t>정돈된 느낌</a:t>
+            </a:r>
+            <a:endParaRPr lang="en-US" altLang="ko-KR"/>
+          </a:p>
+          <a:p>
+            <a:pPr lvl="2"/>
+            <a:r>
+              <a:rPr lang="ko-KR" altLang="en-US"/>
+              <a:t>기능을 모을 수 없슴 </a:t>
             </a:r>
             <a:r>
               <a:rPr lang="en-US" altLang="ko-KR"/>
-              <a:t>(</a:t>
-            </a:r>
-            <a:r>
-              <a:rPr lang="ko-KR" altLang="en-US"/>
-              <a:t>서비스</a:t>
-            </a:r>
-            <a:r>
-              <a:rPr lang="en-US" altLang="ko-KR"/>
-              <a:t>), DAO, </a:t>
-            </a:r>
-            <a:r>
-              <a:rPr lang="ko-KR" altLang="en-US"/>
-              <a:t>모델 등</a:t>
-            </a:r>
-            <a:endParaRPr lang="en-US" altLang="ko-KR"/>
-          </a:p>
-          <a:p>
-            <a:pPr lvl="2"/>
-            <a:r>
-              <a:rPr lang="ko-KR" altLang="en-US"/>
-              <a:t>정돈된 느낌</a:t>
-            </a:r>
-            <a:endParaRPr lang="en-US" altLang="ko-KR"/>
-          </a:p>
-          <a:p>
-            <a:pPr lvl="2"/>
-            <a:r>
-              <a:rPr lang="en-US" altLang="ko-KR"/>
-              <a:t>2</a:t>
-            </a:r>
-            <a:r>
-              <a:rPr lang="ko-KR" altLang="en-US"/>
-              <a:t>개이상의 패키지 모듈을 조합해 하나의 기능 구현</a:t>
-            </a:r>
-            <a:endParaRPr lang="en-US" altLang="ko-KR"/>
-          </a:p>
-          <a:p>
-            <a:pPr lvl="2"/>
-            <a:r>
-              <a:rPr lang="en-US" altLang="ko-KR"/>
-              <a:t>public </a:t>
-            </a:r>
-            <a:r>
-              <a:rPr lang="ko-KR" altLang="en-US"/>
-              <a:t>으로 제공되는 기능</a:t>
-            </a:r>
-            <a:endParaRPr lang="en-US" altLang="ko-KR"/>
+              <a:t>(public)</a:t>
+            </a:r>
           </a:p>
           <a:p>
             <a:pPr lvl="2"/>
@@ -16393,7 +16383,23 @@
                   <a:srgbClr val="FF0000"/>
                 </a:solidFill>
               </a:rPr>
-              <a:t>높은 결합도</a:t>
+              <a:t>높은 결합도가</a:t>
+            </a:r>
+            <a:r>
+              <a:rPr lang="en-US" altLang="ko-KR">
+                <a:solidFill>
+                  <a:srgbClr val="FF0000"/>
+                </a:solidFill>
+              </a:rPr>
+              <a:t> </a:t>
+            </a:r>
+            <a:r>
+              <a:rPr lang="ko-KR" altLang="en-US">
+                <a:solidFill>
+                  <a:srgbClr val="FF0000"/>
+                </a:solidFill>
+              </a:rPr>
+              <a:t>될 가능성이 높음</a:t>
             </a:r>
             <a:endParaRPr lang="en-US" altLang="ko-KR">
               <a:solidFill>
@@ -16420,26 +16426,13 @@
           <a:p>
             <a:pPr lvl="2"/>
             <a:r>
+              <a:rPr lang="ko-KR" altLang="en-US"/>
+              <a:t>디렉토리 기준으로 기능을 모음 </a:t>
+            </a:r>
+            <a:r>
               <a:rPr lang="en-US" altLang="ko-KR"/>
-              <a:t>1</a:t>
-            </a:r>
-            <a:r>
-              <a:rPr lang="ko-KR" altLang="en-US"/>
-              <a:t>개의 패키지 모듈을 조합해 하나의 기능 구현</a:t>
-            </a:r>
-            <a:endParaRPr lang="en-US" altLang="ko-KR"/>
-          </a:p>
-          <a:p>
-            <a:pPr lvl="2"/>
-            <a:r>
-              <a:rPr lang="en-US" altLang="ko-KR"/>
-              <a:t>default </a:t>
-            </a:r>
-            <a:r>
-              <a:rPr lang="ko-KR" altLang="en-US"/>
-              <a:t>로 제공되는 기능</a:t>
-            </a:r>
-            <a:endParaRPr lang="en-US" altLang="ko-KR"/>
+              <a:t>(default)</a:t>
+            </a:r>
           </a:p>
           <a:p>
             <a:pPr lvl="2"/>
@@ -16465,16 +16458,13 @@
                   <a:srgbClr val="FF0000"/>
                 </a:solidFill>
               </a:rPr>
-              <a:t>낮은 결합도</a:t>
-            </a:r>
-            <a:r>
-              <a:rPr lang="en-US" altLang="ko-KR">
-                <a:solidFill>
-                  <a:srgbClr val="FF0000"/>
-                </a:solidFill>
-              </a:rPr>
-              <a:t> </a:t>
-            </a:r>
+              <a:t>낮은 결합도를 유도할 수 있음</a:t>
+            </a:r>
+            <a:endParaRPr lang="en-US" altLang="ko-KR">
+              <a:solidFill>
+                <a:srgbClr val="FF0000"/>
+              </a:solidFill>
+            </a:endParaRPr>
           </a:p>
           <a:p>
             <a:pPr marL="506412" lvl="2" indent="0">
@@ -16498,8 +16488,8 @@
         </p:nvSpPr>
         <p:spPr>
           <a:xfrm>
-            <a:off x="7733066" y="1991013"/>
-            <a:ext cx="2630641" cy="1200329"/>
+            <a:off x="7733066" y="1852514"/>
+            <a:ext cx="2630641" cy="1477328"/>
           </a:xfrm>
           <a:prstGeom prst="rect">
             <a:avLst/>
@@ -16537,6 +16527,9 @@
             </a:r>
           </a:p>
           <a:p>
+            <a:endParaRPr lang="en-US" altLang="ko-KR"/>
+          </a:p>
+          <a:p>
             <a:r>
               <a:rPr lang="en-US" altLang="ko-KR"/>
               <a:t>com.biz.dao.BaordD</a:t>
@@ -16565,8 +16558,8 @@
         </p:nvSpPr>
         <p:spPr>
           <a:xfrm>
-            <a:off x="7733066" y="4390713"/>
-            <a:ext cx="2630641" cy="923330"/>
+            <a:off x="7733066" y="3862430"/>
+            <a:ext cx="2630641" cy="1477328"/>
           </a:xfrm>
           <a:prstGeom prst="rect">
             <a:avLst/>
@@ -16594,21 +16587,29 @@
           <a:p>
             <a:r>
               <a:rPr lang="en-US" altLang="ko-KR"/>
-              <a:t>com.biz.brd.Bdg01</a:t>
+              <a:t>com.biz.board.Board</a:t>
             </a:r>
           </a:p>
           <a:p>
             <a:r>
               <a:rPr lang="en-US" altLang="ko-KR"/>
-              <a:t>com.biz.brd.Bdg02</a:t>
-            </a:r>
+              <a:t>com.biz.board.BoardD</a:t>
+            </a:r>
+          </a:p>
+          <a:p>
+            <a:endParaRPr lang="en-US" altLang="ko-KR"/>
           </a:p>
           <a:p>
             <a:r>
               <a:rPr lang="en-US" altLang="ko-KR"/>
-              <a:t>com.biz.brd.BdgD</a:t>
-            </a:r>
-            <a:endParaRPr lang="ko-KR" altLang="en-US"/>
+              <a:t>com.biz.login.Login</a:t>
+            </a:r>
+          </a:p>
+          <a:p>
+            <a:r>
+              <a:rPr lang="en-US" altLang="ko-KR"/>
+              <a:t>com.biz.login.LoginD</a:t>
+            </a:r>
           </a:p>
         </p:txBody>
       </p:sp>
@@ -16828,19 +16829,23 @@
             </a:r>
             <a:r>
               <a:rPr lang="en-US" altLang="ko-KR"/>
-              <a:t>: private </a:t>
+              <a:t>: default </a:t>
             </a:r>
             <a:r>
               <a:rPr lang="ko-KR" altLang="en-US"/>
-              <a:t>또는 </a:t>
-            </a:r>
+              <a:t>로 기능을 감추고 필요한것만 외부에 공개</a:t>
+            </a:r>
+            <a:endParaRPr lang="en-US" altLang="ko-KR"/>
+          </a:p>
+          <a:p>
+            <a:pPr lvl="3"/>
             <a:r>
               <a:rPr lang="en-US" altLang="ko-KR"/>
-              <a:t>default </a:t>
+              <a:t>IoC </a:t>
             </a:r>
             <a:r>
               <a:rPr lang="ko-KR" altLang="en-US"/>
-              <a:t>로 기능을 최대한 감추고 필요한것만 외부에 공개</a:t>
+              <a:t>를 통한 기능 공개</a:t>
             </a:r>
             <a:endParaRPr lang="en-US" altLang="ko-KR"/>
           </a:p>
@@ -16867,7 +16872,7 @@
         </p:blipFill>
         <p:spPr>
           <a:xfrm>
-            <a:off x="1661564" y="4508014"/>
+            <a:off x="1563842" y="4722474"/>
             <a:ext cx="3963122" cy="1283186"/>
           </a:xfrm>
           <a:prstGeom prst="rect">
@@ -16897,7 +16902,7 @@
         </p:blipFill>
         <p:spPr>
           <a:xfrm>
-            <a:off x="6172014" y="4508014"/>
+            <a:off x="6123153" y="4722474"/>
             <a:ext cx="4177258" cy="1497646"/>
           </a:xfrm>
           <a:prstGeom prst="rect">
@@ -16995,7 +17000,7 @@
         <p:spPr/>
         <p:txBody>
           <a:bodyPr>
-            <a:normAutofit fontScale="92500" lnSpcReduction="20000"/>
+            <a:normAutofit fontScale="85000" lnSpcReduction="20000"/>
           </a:bodyPr>
           <a:lstStyle/>
           <a:p>
@@ -17209,7 +17214,27 @@
               <a:rPr lang="ko-KR" altLang="en-US"/>
               <a:t>자동완성은 필요하지만 선택적으로</a:t>
             </a:r>
-            <a:endParaRPr lang="en-US" altLang="ko-KR"/>
+            <a:endParaRPr lang="en-US" altLang="ko-KR">
+              <a:solidFill>
+                <a:srgbClr val="FF0000"/>
+              </a:solidFill>
+            </a:endParaRPr>
+          </a:p>
+          <a:p>
+            <a:pPr lvl="1"/>
+            <a:r>
+              <a:rPr lang="ko-KR" altLang="en-US">
+                <a:solidFill>
+                  <a:srgbClr val="FF0000"/>
+                </a:solidFill>
+              </a:rPr>
+              <a:t>자동완성이 기능을 구현하지 않음</a:t>
+            </a:r>
+            <a:endParaRPr lang="en-US" altLang="ko-KR">
+              <a:solidFill>
+                <a:srgbClr val="FF0000"/>
+              </a:solidFill>
+            </a:endParaRPr>
           </a:p>
         </p:txBody>
       </p:sp>

--- a/inflearn04/doc/3.(심화)높은응집도를위한패키지네이밍규칙.pptx
+++ b/inflearn04/doc/3.(심화)높은응집도를위한패키지네이밍규칙.pptx
@@ -644,7 +644,7 @@
                 <a:latin typeface="맑은 고딕" panose="020B0503020000020004" pitchFamily="50" charset="-127"/>
                 <a:ea typeface="맑은 고딕" panose="020B0503020000020004" pitchFamily="50" charset="-127"/>
               </a:rPr>
-              <a:t>2021년 7월 13일</a:t>
+              <a:t>2021년 7월 15일</a:t>
             </a:fld>
             <a:endParaRPr lang="ko-KR" altLang="en-US">
               <a:latin typeface="맑은 고딕" panose="020B0503020000020004" pitchFamily="50" charset="-127"/>
@@ -830,7 +830,7 @@
             <a:fld id="{BE16EC8A-0758-4FA9-BF4D-3119057076D1}" type="datetime4">
               <a:rPr lang="ko-KR" altLang="en-US" smtClean="0"/>
               <a:pPr/>
-              <a:t>2021년 7월 13일</a:t>
+              <a:t>2021년 7월 15일</a:t>
             </a:fld>
             <a:endParaRPr lang="ko-KR" altLang="en-US"/>
           </a:p>
@@ -3312,7 +3312,7 @@
           <a:p>
             <a:fld id="{2A5B65E4-62A8-4988-B07B-5D6D443B14ED}" type="datetime4">
               <a:rPr lang="ko-KR" altLang="en-US" smtClean="0"/>
-              <a:t>2021년 7월 13일</a:t>
+              <a:t>2021년 7월 15일</a:t>
             </a:fld>
             <a:endParaRPr lang="ko-KR" altLang="en-US"/>
           </a:p>
@@ -3568,7 +3568,7 @@
           <a:p>
             <a:fld id="{58EB6286-0DE7-4336-9826-977AD102FCF2}" type="datetime4">
               <a:rPr lang="ko-KR" altLang="en-US" noProof="0" smtClean="0"/>
-              <a:t>2021년 7월 13일</a:t>
+              <a:t>2021년 7월 15일</a:t>
             </a:fld>
             <a:endParaRPr lang="ko-KR" altLang="en-US" noProof="0"/>
           </a:p>
@@ -3764,7 +3764,7 @@
             <a:pPr rtl="0"/>
             <a:fld id="{6A5419DA-7218-42E5-A443-F000500111E1}" type="datetime4">
               <a:rPr lang="ko-KR" altLang="en-US" noProof="0" smtClean="0"/>
-              <a:t>2021년 7월 13일</a:t>
+              <a:t>2021년 7월 15일</a:t>
             </a:fld>
             <a:endParaRPr lang="ko-KR" altLang="en-US" noProof="0"/>
           </a:p>
@@ -6165,7 +6165,7 @@
           <a:p>
             <a:fld id="{E498C52F-1DF1-4226-BAB6-C1E2EE4C9D62}" type="datetime4">
               <a:rPr lang="ko-KR" altLang="en-US" noProof="0" smtClean="0"/>
-              <a:t>2021년 7월 13일</a:t>
+              <a:t>2021년 7월 15일</a:t>
             </a:fld>
             <a:endParaRPr lang="ko-KR" altLang="en-US" noProof="0"/>
           </a:p>
@@ -6684,7 +6684,7 @@
           <a:p>
             <a:fld id="{7B1E1FFC-F755-4558-8D3C-A157D1A01A8A}" type="datetime4">
               <a:rPr lang="ko-KR" altLang="en-US" noProof="0" smtClean="0"/>
-              <a:t>2021년 7월 13일</a:t>
+              <a:t>2021년 7월 15일</a:t>
             </a:fld>
             <a:endParaRPr lang="ko-KR" altLang="en-US" noProof="0"/>
           </a:p>
@@ -6828,7 +6828,7 @@
             <a:pPr rtl="0"/>
             <a:fld id="{DA2A33C0-A4A8-4C90-B6DA-35B8CF58C816}" type="datetime4">
               <a:rPr lang="ko-KR" altLang="en-US" noProof="0" smtClean="0"/>
-              <a:t>2021년 7월 13일</a:t>
+              <a:t>2021년 7월 15일</a:t>
             </a:fld>
             <a:endParaRPr lang="ko-KR" altLang="en-US" noProof="0"/>
           </a:p>
@@ -8776,7 +8776,7 @@
           <a:p>
             <a:fld id="{53CB1B8F-A14A-4BE4-A9B9-3B263F04145C}" type="datetime4">
               <a:rPr lang="ko-KR" altLang="en-US" noProof="0" smtClean="0"/>
-              <a:t>2021년 7월 13일</a:t>
+              <a:t>2021년 7월 15일</a:t>
             </a:fld>
             <a:endParaRPr lang="ko-KR" altLang="en-US" noProof="0"/>
           </a:p>
@@ -11073,7 +11073,7 @@
           <a:p>
             <a:fld id="{5B9196A3-957C-4113-A568-B6ED9AEA3D01}" type="datetime4">
               <a:rPr lang="ko-KR" altLang="en-US" noProof="0" smtClean="0"/>
-              <a:t>2021년 7월 13일</a:t>
+              <a:t>2021년 7월 15일</a:t>
             </a:fld>
             <a:endParaRPr lang="ko-KR" altLang="en-US" noProof="0"/>
           </a:p>
@@ -15390,7 +15390,7 @@
           <a:p>
             <a:fld id="{28BEB146-D335-4DA5-9826-58595BCDBE2E}" type="datetime4">
               <a:rPr lang="ko-KR" altLang="en-US" noProof="0" smtClean="0"/>
-              <a:t>2021년 7월 13일</a:t>
+              <a:t>2021년 7월 15일</a:t>
             </a:fld>
             <a:endParaRPr lang="ko-KR" altLang="en-US" noProof="0"/>
           </a:p>
@@ -16352,7 +16352,7 @@
             <a:pPr lvl="2"/>
             <a:r>
               <a:rPr lang="ko-KR" altLang="en-US"/>
-              <a:t>기능을 모을 수 없슴 </a:t>
+              <a:t>기능을 모을 수 없음 </a:t>
             </a:r>
             <a:r>
               <a:rPr lang="en-US" altLang="ko-KR"/>
@@ -16716,12 +16716,52 @@
           <a:p>
             <a:pPr lvl="1"/>
             <a:r>
+              <a:rPr lang="ko-KR" altLang="en-US">
+                <a:solidFill>
+                  <a:srgbClr val="FF0000"/>
+                </a:solidFill>
+              </a:rPr>
+              <a:t>높은 응집도를 유도하기 위해</a:t>
+            </a:r>
+            <a:endParaRPr lang="en-US" altLang="ko-KR">
+              <a:solidFill>
+                <a:srgbClr val="FF0000"/>
+              </a:solidFill>
+            </a:endParaRPr>
+          </a:p>
+          <a:p>
+            <a:pPr lvl="1"/>
+            <a:r>
+              <a:rPr lang="ko-KR" altLang="en-US"/>
+              <a:t>서비스 </a:t>
+            </a:r>
+            <a:r>
+              <a:rPr lang="en-US" altLang="ko-KR"/>
+              <a:t>= </a:t>
+            </a:r>
+            <a:r>
+              <a:rPr lang="ko-KR" altLang="en-US"/>
+              <a:t>서비스코드 </a:t>
+            </a:r>
+            <a:r>
+              <a:rPr lang="en-US" altLang="ko-KR"/>
+              <a:t>+ DAO + UTIL + </a:t>
+            </a:r>
+            <a:r>
+              <a:rPr lang="ko-KR" altLang="en-US"/>
+              <a:t>다른서비스</a:t>
+            </a:r>
+            <a:endParaRPr lang="en-US" altLang="ko-KR"/>
+          </a:p>
+          <a:p>
+            <a:pPr lvl="1"/>
+            <a:r>
               <a:rPr lang="en-US" altLang="ko-KR">
                 <a:solidFill>
                   <a:srgbClr val="FF0000"/>
                 </a:solidFill>
               </a:rPr>
-              <a:t>IoC</a:t>
+              <a:t>DAO </a:t>
             </a:r>
             <a:r>
               <a:rPr lang="ko-KR" altLang="en-US">
@@ -16729,123 +16769,7 @@
                   <a:srgbClr val="FF0000"/>
                 </a:solidFill>
               </a:rPr>
-              <a:t> 로 만들어진 서비스를 쉽게 사용</a:t>
-            </a:r>
-            <a:endParaRPr lang="en-US" altLang="ko-KR">
-              <a:solidFill>
-                <a:srgbClr val="FF0000"/>
-              </a:solidFill>
-            </a:endParaRPr>
-          </a:p>
-          <a:p>
-            <a:pPr lvl="2"/>
-            <a:r>
-              <a:rPr lang="ko-KR" altLang="en-US">
-                <a:solidFill>
-                  <a:srgbClr val="FF0000"/>
-                </a:solidFill>
-              </a:rPr>
-              <a:t>쉬운 </a:t>
-            </a:r>
-            <a:r>
-              <a:rPr lang="en-US" altLang="ko-KR">
-                <a:solidFill>
-                  <a:srgbClr val="FF0000"/>
-                </a:solidFill>
-              </a:rPr>
-              <a:t>SW </a:t>
-            </a:r>
-            <a:r>
-              <a:rPr lang="ko-KR" altLang="en-US">
-                <a:solidFill>
-                  <a:srgbClr val="FF0000"/>
-                </a:solidFill>
-              </a:rPr>
-              <a:t>재사용 </a:t>
-            </a:r>
-            <a:endParaRPr lang="en-US" altLang="ko-KR">
-              <a:solidFill>
-                <a:srgbClr val="FF0000"/>
-              </a:solidFill>
-            </a:endParaRPr>
-          </a:p>
-          <a:p>
-            <a:pPr lvl="1"/>
-            <a:r>
-              <a:rPr lang="ko-KR" altLang="en-US"/>
-              <a:t>응집도를 높히고 결합도를 낮춤</a:t>
-            </a:r>
-            <a:endParaRPr lang="en-US" altLang="ko-KR"/>
-          </a:p>
-          <a:p>
-            <a:pPr lvl="2"/>
-            <a:r>
-              <a:rPr lang="ko-KR" altLang="en-US"/>
-              <a:t>높은 응집도 </a:t>
-            </a:r>
-            <a:r>
-              <a:rPr lang="en-US" altLang="ko-KR"/>
-              <a:t>: (DAO, </a:t>
-            </a:r>
-            <a:r>
-              <a:rPr lang="ko-KR" altLang="en-US"/>
-              <a:t>유틸</a:t>
-            </a:r>
-            <a:r>
-              <a:rPr lang="en-US" altLang="ko-KR"/>
-              <a:t>, </a:t>
-            </a:r>
-            <a:r>
-              <a:rPr lang="ko-KR" altLang="en-US"/>
-              <a:t>다른서비스</a:t>
-            </a:r>
-            <a:r>
-              <a:rPr lang="en-US" altLang="ko-KR"/>
-              <a:t>) + </a:t>
-            </a:r>
-            <a:r>
-              <a:rPr lang="ko-KR" altLang="en-US"/>
-              <a:t>개발자코드 </a:t>
-            </a:r>
-            <a:r>
-              <a:rPr lang="en-US" altLang="ko-KR"/>
-              <a:t>= </a:t>
-            </a:r>
-            <a:r>
-              <a:rPr lang="ko-KR" altLang="en-US"/>
-              <a:t>서비스</a:t>
-            </a:r>
-            <a:endParaRPr lang="en-US" altLang="ko-KR">
-              <a:solidFill>
-                <a:srgbClr val="FF0000"/>
-              </a:solidFill>
-            </a:endParaRPr>
-          </a:p>
-          <a:p>
-            <a:pPr lvl="2"/>
-            <a:r>
-              <a:rPr lang="ko-KR" altLang="en-US"/>
-              <a:t>낮은 결합도 </a:t>
-            </a:r>
-            <a:r>
-              <a:rPr lang="en-US" altLang="ko-KR"/>
-              <a:t>: default </a:t>
-            </a:r>
-            <a:r>
-              <a:rPr lang="ko-KR" altLang="en-US"/>
-              <a:t>로 기능을 감추고 필요한것만 외부에 공개</a:t>
-            </a:r>
-            <a:endParaRPr lang="en-US" altLang="ko-KR"/>
-          </a:p>
-          <a:p>
-            <a:pPr lvl="3"/>
-            <a:r>
-              <a:rPr lang="en-US" altLang="ko-KR"/>
-              <a:t>IoC </a:t>
-            </a:r>
-            <a:r>
-              <a:rPr lang="ko-KR" altLang="en-US"/>
-              <a:t>를 통한 기능 공개</a:t>
+              <a:t>를 직접 객체로 생성 기능을 사용하는 것을 금지</a:t>
             </a:r>
             <a:endParaRPr lang="en-US" altLang="ko-KR"/>
           </a:p>
@@ -16853,10 +16777,10 @@
       </p:sp>
       <p:pic>
         <p:nvPicPr>
-          <p:cNvPr id="7" name="그림 6">
+          <p:cNvPr id="11" name="그림 10">
             <a:extLst>
               <a:ext uri="{FF2B5EF4-FFF2-40B4-BE49-F238E27FC236}">
-                <a16:creationId xmlns:a16="http://schemas.microsoft.com/office/drawing/2014/main" id="{80D68F50-DC43-4452-A7DD-946E492BFF9C}"/>
+                <a16:creationId xmlns:a16="http://schemas.microsoft.com/office/drawing/2014/main" id="{32E1D6B3-06C2-4256-BDE7-1F41103E0AD5}"/>
               </a:ext>
             </a:extLst>
           </p:cNvPr>
@@ -16865,15 +16789,16 @@
           </p:cNvPicPr>
           <p:nvPr/>
         </p:nvPicPr>
-        <p:blipFill rotWithShape="1">
+        <p:blipFill>
           <a:blip r:embed="rId2"/>
-          <a:srcRect t="44872"/>
-          <a:stretch/>
+          <a:stretch>
+            <a:fillRect/>
+          </a:stretch>
         </p:blipFill>
         <p:spPr>
           <a:xfrm>
-            <a:off x="1563842" y="4722474"/>
-            <a:ext cx="3963122" cy="1283186"/>
+            <a:off x="7924978" y="4592424"/>
+            <a:ext cx="3391373" cy="1533739"/>
           </a:xfrm>
           <a:prstGeom prst="rect">
             <a:avLst/>
@@ -16882,10 +16807,10 @@
       </p:pic>
       <p:pic>
         <p:nvPicPr>
-          <p:cNvPr id="9" name="그림 8">
+          <p:cNvPr id="17" name="그림 16">
             <a:extLst>
               <a:ext uri="{FF2B5EF4-FFF2-40B4-BE49-F238E27FC236}">
-                <a16:creationId xmlns:a16="http://schemas.microsoft.com/office/drawing/2014/main" id="{72FE8187-3F8E-43E3-8184-391C65596021}"/>
+                <a16:creationId xmlns:a16="http://schemas.microsoft.com/office/drawing/2014/main" id="{72CE0C69-B580-4BAB-86F0-3B163A2E5490}"/>
               </a:ext>
             </a:extLst>
           </p:cNvPr>
@@ -16902,14 +16827,152 @@
         </p:blipFill>
         <p:spPr>
           <a:xfrm>
-            <a:off x="6123153" y="4722474"/>
-            <a:ext cx="4177258" cy="1497646"/>
+            <a:off x="3961793" y="4592424"/>
+            <a:ext cx="3648584" cy="1390844"/>
           </a:xfrm>
           <a:prstGeom prst="rect">
             <a:avLst/>
           </a:prstGeom>
         </p:spPr>
       </p:pic>
+      <p:pic>
+        <p:nvPicPr>
+          <p:cNvPr id="19" name="그림 18">
+            <a:extLst>
+              <a:ext uri="{FF2B5EF4-FFF2-40B4-BE49-F238E27FC236}">
+                <a16:creationId xmlns:a16="http://schemas.microsoft.com/office/drawing/2014/main" id="{5AEA4414-5239-4D13-96A5-C87C4CE67137}"/>
+              </a:ext>
+            </a:extLst>
+          </p:cNvPr>
+          <p:cNvPicPr>
+            <a:picLocks noChangeAspect="1"/>
+          </p:cNvPicPr>
+          <p:nvPr/>
+        </p:nvPicPr>
+        <p:blipFill>
+          <a:blip r:embed="rId4"/>
+          <a:stretch>
+            <a:fillRect/>
+          </a:stretch>
+        </p:blipFill>
+        <p:spPr>
+          <a:xfrm>
+            <a:off x="894083" y="4592424"/>
+            <a:ext cx="2753109" cy="609685"/>
+          </a:xfrm>
+          <a:prstGeom prst="rect">
+            <a:avLst/>
+          </a:prstGeom>
+        </p:spPr>
+      </p:pic>
+      <p:sp>
+        <p:nvSpPr>
+          <p:cNvPr id="20" name="TextBox 19">
+            <a:extLst>
+              <a:ext uri="{FF2B5EF4-FFF2-40B4-BE49-F238E27FC236}">
+                <a16:creationId xmlns:a16="http://schemas.microsoft.com/office/drawing/2014/main" id="{7B4340A6-B1A8-4E85-8B59-9722EC03431F}"/>
+              </a:ext>
+            </a:extLst>
+          </p:cNvPr>
+          <p:cNvSpPr txBox="1"/>
+          <p:nvPr/>
+        </p:nvSpPr>
+        <p:spPr>
+          <a:xfrm>
+            <a:off x="4385701" y="4215258"/>
+            <a:ext cx="2800767" cy="369332"/>
+          </a:xfrm>
+          <a:prstGeom prst="rect">
+            <a:avLst/>
+          </a:prstGeom>
+          <a:noFill/>
+        </p:spPr>
+        <p:txBody>
+          <a:bodyPr wrap="none" rtlCol="0">
+            <a:spAutoFit/>
+          </a:bodyPr>
+          <a:lstStyle/>
+          <a:p>
+            <a:r>
+              <a:rPr lang="en-US" altLang="ko-KR"/>
+              <a:t>com.biz.board.Board.java</a:t>
+            </a:r>
+            <a:endParaRPr lang="ko-KR" altLang="en-US"/>
+          </a:p>
+        </p:txBody>
+      </p:sp>
+      <p:sp>
+        <p:nvSpPr>
+          <p:cNvPr id="21" name="TextBox 20">
+            <a:extLst>
+              <a:ext uri="{FF2B5EF4-FFF2-40B4-BE49-F238E27FC236}">
+                <a16:creationId xmlns:a16="http://schemas.microsoft.com/office/drawing/2014/main" id="{A869A416-8572-44E7-A6A1-0B9A45A5B304}"/>
+              </a:ext>
+            </a:extLst>
+          </p:cNvPr>
+          <p:cNvSpPr txBox="1"/>
+          <p:nvPr/>
+        </p:nvSpPr>
+        <p:spPr>
+          <a:xfrm>
+            <a:off x="7975133" y="4223092"/>
+            <a:ext cx="3493264" cy="369332"/>
+          </a:xfrm>
+          <a:prstGeom prst="rect">
+            <a:avLst/>
+          </a:prstGeom>
+          <a:noFill/>
+        </p:spPr>
+        <p:txBody>
+          <a:bodyPr wrap="none" rtlCol="0">
+            <a:spAutoFit/>
+          </a:bodyPr>
+          <a:lstStyle/>
+          <a:p>
+            <a:r>
+              <a:rPr lang="en-US" altLang="ko-KR"/>
+              <a:t>com.biz.admin.AdminBoard.java</a:t>
+            </a:r>
+            <a:endParaRPr lang="ko-KR" altLang="en-US"/>
+          </a:p>
+        </p:txBody>
+      </p:sp>
+      <p:sp>
+        <p:nvSpPr>
+          <p:cNvPr id="22" name="TextBox 21">
+            <a:extLst>
+              <a:ext uri="{FF2B5EF4-FFF2-40B4-BE49-F238E27FC236}">
+                <a16:creationId xmlns:a16="http://schemas.microsoft.com/office/drawing/2014/main" id="{56838304-474F-4D40-8B80-C504494385BC}"/>
+              </a:ext>
+            </a:extLst>
+          </p:cNvPr>
+          <p:cNvSpPr txBox="1"/>
+          <p:nvPr/>
+        </p:nvSpPr>
+        <p:spPr>
+          <a:xfrm>
+            <a:off x="846425" y="4215690"/>
+            <a:ext cx="2967479" cy="369332"/>
+          </a:xfrm>
+          <a:prstGeom prst="rect">
+            <a:avLst/>
+          </a:prstGeom>
+          <a:noFill/>
+        </p:spPr>
+        <p:txBody>
+          <a:bodyPr wrap="none" rtlCol="0">
+            <a:spAutoFit/>
+          </a:bodyPr>
+          <a:lstStyle/>
+          <a:p>
+            <a:r>
+              <a:rPr lang="en-US" altLang="ko-KR"/>
+              <a:t>com.biz.board.BoardD.java</a:t>
+            </a:r>
+            <a:endParaRPr lang="ko-KR" altLang="en-US"/>
+          </a:p>
+        </p:txBody>
+      </p:sp>
     </p:spTree>
     <p:extLst>
       <p:ext uri="{BB962C8B-B14F-4D97-AF65-F5344CB8AC3E}">
